--- a/LCC/Python/01_千里之行始於足下.pptx
+++ b/LCC/Python/01_千里之行始於足下.pptx
@@ -2,7 +2,7 @@
 <file path=ppt/presentation.xml><?xml version="1.0" encoding="utf-8"?>
 <p:presentation xmlns:a="http://schemas.openxmlformats.org/drawingml/2006/main" xmlns:r="http://schemas.openxmlformats.org/officeDocument/2006/relationships" xmlns:p="http://schemas.openxmlformats.org/presentationml/2006/main" autoCompressPictures="0">
   <p:sldMasterIdLst>
-    <p:sldMasterId id="2147483648" r:id="rId1"/>
+    <p:sldMasterId id="2147483668" r:id="rId1"/>
   </p:sldMasterIdLst>
   <p:sldIdLst>
     <p:sldId id="256" r:id="rId2"/>
@@ -156,7 +156,7 @@
       </p:grpSpPr>
       <p:grpSp>
         <p:nvGrpSpPr>
-          <p:cNvPr id="7" name="Group 6"/>
+          <p:cNvPr id="16" name="Group 15"/>
           <p:cNvGrpSpPr/>
           <p:nvPr/>
         </p:nvGrpSpPr>
@@ -168,9 +168,72 @@
             <a:chExt cx="12192000" cy="6866467"/>
           </a:xfrm>
         </p:grpSpPr>
+        <p:sp>
+          <p:nvSpPr>
+            <p:cNvPr id="15" name="Freeform 14"/>
+            <p:cNvSpPr/>
+            <p:nvPr/>
+          </p:nvSpPr>
+          <p:spPr>
+            <a:xfrm>
+              <a:off x="0" y="-7862"/>
+              <a:ext cx="863600" cy="5698067"/>
+            </a:xfrm>
+            <a:custGeom>
+              <a:avLst/>
+              <a:gdLst/>
+              <a:ahLst/>
+              <a:cxnLst/>
+              <a:rect l="l" t="t" r="r" b="b"/>
+              <a:pathLst>
+                <a:path w="863600" h="5698067">
+                  <a:moveTo>
+                    <a:pt x="0" y="8467"/>
+                  </a:moveTo>
+                  <a:lnTo>
+                    <a:pt x="863600" y="0"/>
+                  </a:lnTo>
+                  <a:lnTo>
+                    <a:pt x="863600" y="16934"/>
+                  </a:lnTo>
+                  <a:lnTo>
+                    <a:pt x="0" y="5698067"/>
+                  </a:lnTo>
+                  <a:lnTo>
+                    <a:pt x="0" y="8467"/>
+                  </a:lnTo>
+                  <a:close/>
+                </a:path>
+              </a:pathLst>
+            </a:custGeom>
+            <a:solidFill>
+              <a:schemeClr val="accent1">
+                <a:alpha val="70000"/>
+              </a:schemeClr>
+            </a:solidFill>
+            <a:ln>
+              <a:noFill/>
+            </a:ln>
+            <a:effectLst/>
+          </p:spPr>
+          <p:style>
+            <a:lnRef idx="1">
+              <a:schemeClr val="accent1"/>
+            </a:lnRef>
+            <a:fillRef idx="3">
+              <a:schemeClr val="accent1"/>
+            </a:fillRef>
+            <a:effectRef idx="2">
+              <a:schemeClr val="accent1"/>
+            </a:effectRef>
+            <a:fontRef idx="minor">
+              <a:schemeClr val="lt1"/>
+            </a:fontRef>
+          </p:style>
+        </p:sp>
         <p:cxnSp>
           <p:nvCxnSpPr>
-            <p:cNvPr id="32" name="Straight Connector 31"/>
+            <p:cNvPr id="19" name="Straight Connector 18"/>
             <p:cNvCxnSpPr/>
             <p:nvPr/>
           </p:nvCxnSpPr>
@@ -184,8 +247,8 @@
             </a:prstGeom>
             <a:ln w="9525">
               <a:solidFill>
-                <a:schemeClr val="bg1">
-                  <a:lumMod val="75000"/>
+                <a:schemeClr val="accent1">
+                  <a:alpha val="70000"/>
                 </a:schemeClr>
               </a:solidFill>
             </a:ln>
@@ -207,7 +270,7 @@
         </p:cxnSp>
         <p:cxnSp>
           <p:nvCxnSpPr>
-            <p:cNvPr id="21" name="Straight Connector 20"/>
+            <p:cNvPr id="20" name="Straight Connector 19"/>
             <p:cNvCxnSpPr/>
             <p:nvPr/>
           </p:nvCxnSpPr>
@@ -221,8 +284,8 @@
             </a:prstGeom>
             <a:ln w="9525">
               <a:solidFill>
-                <a:schemeClr val="bg1">
-                  <a:lumMod val="85000"/>
+                <a:schemeClr val="accent1">
+                  <a:alpha val="70000"/>
                 </a:schemeClr>
               </a:solidFill>
             </a:ln>
@@ -244,7 +307,7 @@
         </p:cxnSp>
         <p:sp>
           <p:nvSpPr>
-            <p:cNvPr id="24" name="Rectangle 23"/>
+            <p:cNvPr id="21" name="Rectangle 23"/>
             <p:cNvSpPr/>
             <p:nvPr/>
           </p:nvSpPr>
@@ -282,7 +345,7 @@
             </a:custGeom>
             <a:solidFill>
               <a:schemeClr val="accent1">
-                <a:alpha val="30000"/>
+                <a:alpha val="36000"/>
               </a:schemeClr>
             </a:solidFill>
             <a:ln>
@@ -307,7 +370,7 @@
         </p:sp>
         <p:sp>
           <p:nvSpPr>
-            <p:cNvPr id="26" name="Rectangle 25"/>
+            <p:cNvPr id="22" name="Rectangle 25"/>
             <p:cNvSpPr/>
             <p:nvPr/>
           </p:nvSpPr>
@@ -370,7 +433,7 @@
         </p:sp>
         <p:sp>
           <p:nvSpPr>
-            <p:cNvPr id="27" name="Isosceles Triangle 26"/>
+            <p:cNvPr id="23" name="Isosceles Triangle 22"/>
             <p:cNvSpPr/>
             <p:nvPr/>
           </p:nvSpPr>
@@ -385,8 +448,9 @@
               </a:avLst>
             </a:prstGeom>
             <a:solidFill>
-              <a:schemeClr val="accent2">
-                <a:alpha val="72000"/>
+              <a:schemeClr val="accent1">
+                <a:lumMod val="75000"/>
+                <a:alpha val="66000"/>
               </a:schemeClr>
             </a:solidFill>
             <a:ln>
@@ -411,7 +475,7 @@
         </p:sp>
         <p:sp>
           <p:nvSpPr>
-            <p:cNvPr id="28" name="Rectangle 27"/>
+            <p:cNvPr id="24" name="Rectangle 27"/>
             <p:cNvSpPr/>
             <p:nvPr/>
           </p:nvSpPr>
@@ -448,9 +512,9 @@
               </a:pathLst>
             </a:custGeom>
             <a:solidFill>
-              <a:schemeClr val="accent2">
+              <a:schemeClr val="accent1">
                 <a:lumMod val="75000"/>
-                <a:alpha val="70000"/>
+                <a:alpha val="50000"/>
               </a:schemeClr>
             </a:solidFill>
             <a:ln>
@@ -475,7 +539,7 @@
         </p:sp>
         <p:sp>
           <p:nvSpPr>
-            <p:cNvPr id="29" name="Rectangle 28"/>
+            <p:cNvPr id="25" name="Rectangle 28"/>
             <p:cNvSpPr/>
             <p:nvPr/>
           </p:nvSpPr>
@@ -512,9 +576,7 @@
               </a:pathLst>
             </a:custGeom>
             <a:solidFill>
-              <a:schemeClr val="accent1">
-                <a:lumMod val="60000"/>
-                <a:lumOff val="40000"/>
+              <a:schemeClr val="accent2">
                 <a:alpha val="70000"/>
               </a:schemeClr>
             </a:solidFill>
@@ -540,7 +602,7 @@
         </p:sp>
         <p:sp>
           <p:nvSpPr>
-            <p:cNvPr id="30" name="Rectangle 29"/>
+            <p:cNvPr id="26" name="Rectangle 29"/>
             <p:cNvSpPr/>
             <p:nvPr/>
           </p:nvSpPr>
@@ -577,48 +639,8 @@
               </a:pathLst>
             </a:custGeom>
             <a:solidFill>
-              <a:schemeClr val="accent1">
-                <a:alpha val="65000"/>
-              </a:schemeClr>
-            </a:solidFill>
-            <a:ln>
-              <a:noFill/>
-            </a:ln>
-            <a:effectLst/>
-          </p:spPr>
-          <p:style>
-            <a:lnRef idx="1">
-              <a:schemeClr val="accent1"/>
-            </a:lnRef>
-            <a:fillRef idx="3">
-              <a:schemeClr val="accent1"/>
-            </a:fillRef>
-            <a:effectRef idx="2">
-              <a:schemeClr val="accent1"/>
-            </a:effectRef>
-            <a:fontRef idx="minor">
-              <a:schemeClr val="lt1"/>
-            </a:fontRef>
-          </p:style>
-        </p:sp>
-        <p:sp>
-          <p:nvSpPr>
-            <p:cNvPr id="31" name="Isosceles Triangle 30"/>
-            <p:cNvSpPr/>
-            <p:nvPr/>
-          </p:nvSpPr>
-          <p:spPr>
-            <a:xfrm>
-              <a:off x="10371666" y="3589867"/>
-              <a:ext cx="1817159" cy="3268133"/>
-            </a:xfrm>
-            <a:prstGeom prst="triangle">
-              <a:avLst>
-                <a:gd name="adj" fmla="val 100000"/>
-              </a:avLst>
-            </a:prstGeom>
-            <a:solidFill>
-              <a:schemeClr val="accent1">
+              <a:schemeClr val="accent2">
+                <a:lumMod val="75000"/>
                 <a:alpha val="80000"/>
               </a:schemeClr>
             </a:solidFill>
@@ -644,14 +666,14 @@
         </p:sp>
         <p:sp>
           <p:nvSpPr>
-            <p:cNvPr id="19" name="Isosceles Triangle 18"/>
+            <p:cNvPr id="27" name="Isosceles Triangle 26"/>
             <p:cNvSpPr/>
             <p:nvPr/>
           </p:nvSpPr>
           <p:spPr>
-            <a:xfrm rot="10800000">
-              <a:off x="0" y="0"/>
-              <a:ext cx="842596" cy="5666154"/>
+            <a:xfrm>
+              <a:off x="10371666" y="3589867"/>
+              <a:ext cx="1817159" cy="3268133"/>
             </a:xfrm>
             <a:prstGeom prst="triangle">
               <a:avLst>
@@ -660,7 +682,8 @@
             </a:prstGeom>
             <a:solidFill>
               <a:schemeClr val="accent1">
-                <a:alpha val="85000"/>
+                <a:lumMod val="75000"/>
+                <a:alpha val="66000"/>
               </a:schemeClr>
             </a:solidFill>
             <a:ln>
@@ -706,16 +729,16 @@
           </a:bodyPr>
           <a:lstStyle>
             <a:lvl1pPr algn="r">
-              <a:defRPr sz="5400">
+              <a:defRPr sz="4800">
                 <a:solidFill>
-                  <a:schemeClr val="accent1"/>
+                  <a:srgbClr val="0070C0"/>
                 </a:solidFill>
               </a:defRPr>
             </a:lvl1pPr>
           </a:lstStyle>
           <a:p>
             <a:r>
-              <a:rPr lang="zh-TW" altLang="en-US" smtClean="0"/>
+              <a:rPr lang="zh-TW" altLang="en-US" dirty="0" smtClean="0"/>
               <a:t>按一下以編輯母片標題樣式</a:t>
             </a:r>
             <a:endParaRPr lang="en-US" dirty="0"/>
@@ -858,7 +881,7 @@
           <a:lstStyle/>
           <a:p>
             <a:fld id="{B61BEF0D-F0BB-DE4B-95CE-6DB70DBA9567}" type="datetimeFigureOut">
-              <a:rPr lang="en-US" dirty="0"/>
+              <a:rPr lang="en-US" smtClean="0"/>
               <a:pPr/>
               <a:t>12/28/2020</a:t>
             </a:fld>
@@ -901,7 +924,7 @@
           <a:lstStyle/>
           <a:p>
             <a:fld id="{D57F1E4F-1CFF-5643-939E-217C01CDF565}" type="slidenum">
-              <a:rPr lang="en-US" dirty="0"/>
+              <a:rPr lang="en-US" smtClean="0"/>
               <a:pPr/>
               <a:t>‹#›</a:t>
             </a:fld>
@@ -910,17 +933,15 @@
         </p:txBody>
       </p:sp>
     </p:spTree>
+    <p:extLst>
+      <p:ext uri="{BB962C8B-B14F-4D97-AF65-F5344CB8AC3E}">
+        <p14:creationId xmlns:p14="http://schemas.microsoft.com/office/powerpoint/2010/main" val="1209837273"/>
+      </p:ext>
+    </p:extLst>
   </p:cSld>
   <p:clrMapOvr>
     <a:masterClrMapping/>
   </p:clrMapOvr>
-  <p:timing>
-    <p:tnLst>
-      <p:par>
-        <p:cTn id="1" dur="indefinite" restart="never" nodeType="tmRoot"/>
-      </p:par>
-    </p:tnLst>
-  </p:timing>
 </p:sldLayout>
 </file>
 
@@ -1113,7 +1134,7 @@
           <a:lstStyle/>
           <a:p>
             <a:fld id="{B61BEF0D-F0BB-DE4B-95CE-6DB70DBA9567}" type="datetimeFigureOut">
-              <a:rPr lang="en-US" dirty="0"/>
+              <a:rPr lang="en-US" smtClean="0"/>
               <a:pPr/>
               <a:t>12/28/2020</a:t>
             </a:fld>
@@ -1156,7 +1177,7 @@
           <a:lstStyle/>
           <a:p>
             <a:fld id="{D57F1E4F-1CFF-5643-939E-217C01CDF565}" type="slidenum">
-              <a:rPr lang="en-US" dirty="0"/>
+              <a:rPr lang="en-US" smtClean="0"/>
               <a:pPr/>
               <a:t>‹#›</a:t>
             </a:fld>
@@ -1165,6 +1186,11 @@
         </p:txBody>
       </p:sp>
     </p:spTree>
+    <p:extLst>
+      <p:ext uri="{BB962C8B-B14F-4D97-AF65-F5344CB8AC3E}">
+        <p14:creationId xmlns:p14="http://schemas.microsoft.com/office/powerpoint/2010/main" val="736236610"/>
+      </p:ext>
+    </p:extLst>
   </p:cSld>
   <p:clrMapOvr>
     <a:masterClrMapping/>
@@ -1424,7 +1450,7 @@
           <a:lstStyle/>
           <a:p>
             <a:fld id="{B61BEF0D-F0BB-DE4B-95CE-6DB70DBA9567}" type="datetimeFigureOut">
-              <a:rPr lang="en-US" dirty="0"/>
+              <a:rPr lang="en-US" smtClean="0"/>
               <a:pPr/>
               <a:t>12/28/2020</a:t>
             </a:fld>
@@ -1467,7 +1493,7 @@
           <a:lstStyle/>
           <a:p>
             <a:fld id="{D57F1E4F-1CFF-5643-939E-217C01CDF565}" type="slidenum">
-              <a:rPr lang="en-US" dirty="0"/>
+              <a:rPr lang="en-US" smtClean="0"/>
               <a:pPr/>
               <a:t>‹#›</a:t>
             </a:fld>
@@ -1477,7 +1503,7 @@
       </p:sp>
       <p:sp>
         <p:nvSpPr>
-          <p:cNvPr id="20" name="TextBox 19"/>
+          <p:cNvPr id="24" name="TextBox 23"/>
           <p:cNvSpPr txBox="1"/>
           <p:nvPr/>
         </p:nvSpPr>
@@ -1518,7 +1544,7 @@
       </p:sp>
       <p:sp>
         <p:nvSpPr>
-          <p:cNvPr id="22" name="TextBox 21"/>
+          <p:cNvPr id="25" name="TextBox 24"/>
           <p:cNvSpPr txBox="1"/>
           <p:nvPr/>
         </p:nvSpPr>
@@ -1549,23 +1575,20 @@
                     <a:lumOff val="40000"/>
                   </a:schemeClr>
                 </a:solidFill>
+                <a:effectLst/>
                 <a:latin typeface="Arial"/>
               </a:rPr>
               <a:t>”</a:t>
             </a:r>
-            <a:endParaRPr lang="en-US" dirty="0">
-              <a:solidFill>
-                <a:schemeClr val="accent1">
-                  <a:lumMod val="60000"/>
-                  <a:lumOff val="40000"/>
-                </a:schemeClr>
-              </a:solidFill>
-              <a:latin typeface="Arial"/>
-            </a:endParaRPr>
           </a:p>
         </p:txBody>
       </p:sp>
     </p:spTree>
+    <p:extLst>
+      <p:ext uri="{BB962C8B-B14F-4D97-AF65-F5344CB8AC3E}">
+        <p14:creationId xmlns:p14="http://schemas.microsoft.com/office/powerpoint/2010/main" val="2125412441"/>
+      </p:ext>
+    </p:extLst>
   </p:cSld>
   <p:clrMapOvr>
     <a:masterClrMapping/>
@@ -1762,7 +1785,7 @@
           <a:lstStyle/>
           <a:p>
             <a:fld id="{B61BEF0D-F0BB-DE4B-95CE-6DB70DBA9567}" type="datetimeFigureOut">
-              <a:rPr lang="en-US" dirty="0"/>
+              <a:rPr lang="en-US" smtClean="0"/>
               <a:pPr/>
               <a:t>12/28/2020</a:t>
             </a:fld>
@@ -1805,7 +1828,7 @@
           <a:lstStyle/>
           <a:p>
             <a:fld id="{D57F1E4F-1CFF-5643-939E-217C01CDF565}" type="slidenum">
-              <a:rPr lang="en-US" dirty="0"/>
+              <a:rPr lang="en-US" smtClean="0"/>
               <a:pPr/>
               <a:t>‹#›</a:t>
             </a:fld>
@@ -1814,6 +1837,11 @@
         </p:txBody>
       </p:sp>
     </p:spTree>
+    <p:extLst>
+      <p:ext uri="{BB962C8B-B14F-4D97-AF65-F5344CB8AC3E}">
+        <p14:creationId xmlns:p14="http://schemas.microsoft.com/office/powerpoint/2010/main" val="4070122820"/>
+      </p:ext>
+    </p:extLst>
   </p:cSld>
   <p:clrMapOvr>
     <a:masterClrMapping/>
@@ -2073,7 +2101,7 @@
           <a:lstStyle/>
           <a:p>
             <a:fld id="{B61BEF0D-F0BB-DE4B-95CE-6DB70DBA9567}" type="datetimeFigureOut">
-              <a:rPr lang="en-US" dirty="0"/>
+              <a:rPr lang="en-US" smtClean="0"/>
               <a:pPr/>
               <a:t>12/28/2020</a:t>
             </a:fld>
@@ -2116,7 +2144,7 @@
           <a:lstStyle/>
           <a:p>
             <a:fld id="{D57F1E4F-1CFF-5643-939E-217C01CDF565}" type="slidenum">
-              <a:rPr lang="en-US" dirty="0"/>
+              <a:rPr lang="en-US" smtClean="0"/>
               <a:pPr/>
               <a:t>‹#›</a:t>
             </a:fld>
@@ -2207,6 +2235,11 @@
         </p:txBody>
       </p:sp>
     </p:spTree>
+    <p:extLst>
+      <p:ext uri="{BB962C8B-B14F-4D97-AF65-F5344CB8AC3E}">
+        <p14:creationId xmlns:p14="http://schemas.microsoft.com/office/powerpoint/2010/main" val="807271635"/>
+      </p:ext>
+    </p:extLst>
   </p:cSld>
   <p:clrMapOvr>
     <a:masterClrMapping/>
@@ -2463,7 +2496,7 @@
           <a:lstStyle/>
           <a:p>
             <a:fld id="{B61BEF0D-F0BB-DE4B-95CE-6DB70DBA9567}" type="datetimeFigureOut">
-              <a:rPr lang="en-US" dirty="0"/>
+              <a:rPr lang="en-US" smtClean="0"/>
               <a:pPr/>
               <a:t>12/28/2020</a:t>
             </a:fld>
@@ -2506,7 +2539,7 @@
           <a:lstStyle/>
           <a:p>
             <a:fld id="{D57F1E4F-1CFF-5643-939E-217C01CDF565}" type="slidenum">
-              <a:rPr lang="en-US" dirty="0"/>
+              <a:rPr lang="en-US" smtClean="0"/>
               <a:pPr/>
               <a:t>‹#›</a:t>
             </a:fld>
@@ -2515,6 +2548,11 @@
         </p:txBody>
       </p:sp>
     </p:spTree>
+    <p:extLst>
+      <p:ext uri="{BB962C8B-B14F-4D97-AF65-F5344CB8AC3E}">
+        <p14:creationId xmlns:p14="http://schemas.microsoft.com/office/powerpoint/2010/main" val="252602359"/>
+      </p:ext>
+    </p:extLst>
   </p:cSld>
   <p:clrMapOvr>
     <a:masterClrMapping/>
@@ -2630,7 +2668,7 @@
           <a:lstStyle/>
           <a:p>
             <a:fld id="{55C6B4A9-1611-4792-9094-5F34BCA07E0B}" type="datetimeFigureOut">
-              <a:rPr lang="en-US" dirty="0"/>
+              <a:rPr lang="en-US" smtClean="0"/>
               <a:t>12/28/2020</a:t>
             </a:fld>
             <a:endParaRPr lang="en-US" dirty="0"/>
@@ -2672,7 +2710,7 @@
           <a:lstStyle/>
           <a:p>
             <a:fld id="{89333C77-0158-454C-844F-B7AB9BD7DAD4}" type="slidenum">
-              <a:rPr lang="en-US" dirty="0"/>
+              <a:rPr lang="en-US" smtClean="0"/>
               <a:t>‹#›</a:t>
             </a:fld>
             <a:endParaRPr lang="en-US" dirty="0"/>
@@ -2680,6 +2718,11 @@
         </p:txBody>
       </p:sp>
     </p:spTree>
+    <p:extLst>
+      <p:ext uri="{BB962C8B-B14F-4D97-AF65-F5344CB8AC3E}">
+        <p14:creationId xmlns:p14="http://schemas.microsoft.com/office/powerpoint/2010/main" val="3556790142"/>
+      </p:ext>
+    </p:extLst>
   </p:cSld>
   <p:clrMapOvr>
     <a:masterClrMapping/>
@@ -2805,7 +2848,7 @@
           <a:lstStyle/>
           <a:p>
             <a:fld id="{B61BEF0D-F0BB-DE4B-95CE-6DB70DBA9567}" type="datetimeFigureOut">
-              <a:rPr lang="en-US" dirty="0"/>
+              <a:rPr lang="en-US" smtClean="0"/>
               <a:pPr/>
               <a:t>12/28/2020</a:t>
             </a:fld>
@@ -2848,7 +2891,7 @@
           <a:lstStyle/>
           <a:p>
             <a:fld id="{D57F1E4F-1CFF-5643-939E-217C01CDF565}" type="slidenum">
-              <a:rPr lang="en-US" dirty="0"/>
+              <a:rPr lang="en-US" smtClean="0"/>
               <a:pPr/>
               <a:t>‹#›</a:t>
             </a:fld>
@@ -2857,6 +2900,11 @@
         </p:txBody>
       </p:sp>
     </p:spTree>
+    <p:extLst>
+      <p:ext uri="{BB962C8B-B14F-4D97-AF65-F5344CB8AC3E}">
+        <p14:creationId xmlns:p14="http://schemas.microsoft.com/office/powerpoint/2010/main" val="1685340440"/>
+      </p:ext>
+    </p:extLst>
   </p:cSld>
   <p:clrMapOvr>
     <a:masterClrMapping/>
@@ -2893,14 +2941,8 @@
         </p:nvSpPr>
         <p:spPr/>
         <p:txBody>
-          <a:bodyPr>
-            <a:normAutofit/>
-          </a:bodyPr>
-          <a:lstStyle>
-            <a:lvl1pPr>
-              <a:defRPr sz="3600"/>
-            </a:lvl1pPr>
-          </a:lstStyle>
+          <a:bodyPr/>
+          <a:lstStyle/>
           <a:p>
             <a:r>
               <a:rPr lang="zh-TW" altLang="en-US" smtClean="0"/>
@@ -2978,7 +3020,7 @@
           <a:lstStyle/>
           <a:p>
             <a:fld id="{B61BEF0D-F0BB-DE4B-95CE-6DB70DBA9567}" type="datetimeFigureOut">
-              <a:rPr lang="en-US" dirty="0"/>
+              <a:rPr lang="en-US" smtClean="0"/>
               <a:pPr/>
               <a:t>12/28/2020</a:t>
             </a:fld>
@@ -3021,7 +3063,7 @@
           <a:lstStyle/>
           <a:p>
             <a:fld id="{D57F1E4F-1CFF-5643-939E-217C01CDF565}" type="slidenum">
-              <a:rPr lang="en-US" dirty="0"/>
+              <a:rPr lang="en-US" smtClean="0"/>
               <a:pPr/>
               <a:t>‹#›</a:t>
             </a:fld>
@@ -3052,11 +3094,7 @@
           <a:p>
             <a:r>
               <a:rPr lang="zh-TW" altLang="en-US" sz="1600" dirty="0" smtClean="0"/>
-              <a:t>https://github.com/liulawsi/LLC_Python/tree/main/Section</a:t>
-            </a:r>
-            <a:r>
-              <a:rPr lang="zh-TW" altLang="en-US" sz="1600" dirty="0" smtClean="0"/>
-              <a:t>0</a:t>
+              <a:t>https://github.com/liulawsi/LLC_Python/tree/main/Section0</a:t>
             </a:r>
             <a:r>
               <a:rPr lang="en-US" altLang="zh-TW" sz="1600" dirty="0" smtClean="0"/>
@@ -3067,17 +3105,15 @@
         </p:txBody>
       </p:sp>
     </p:spTree>
+    <p:extLst>
+      <p:ext uri="{BB962C8B-B14F-4D97-AF65-F5344CB8AC3E}">
+        <p14:creationId xmlns:p14="http://schemas.microsoft.com/office/powerpoint/2010/main" val="4179187145"/>
+      </p:ext>
+    </p:extLst>
   </p:cSld>
   <p:clrMapOvr>
     <a:masterClrMapping/>
   </p:clrMapOvr>
-  <p:timing>
-    <p:tnLst>
-      <p:par>
-        <p:cTn id="1" dur="indefinite" restart="never" nodeType="tmRoot"/>
-      </p:par>
-    </p:tnLst>
-  </p:timing>
 </p:sldLayout>
 </file>
 
@@ -3266,7 +3302,7 @@
           <a:lstStyle/>
           <a:p>
             <a:fld id="{B61BEF0D-F0BB-DE4B-95CE-6DB70DBA9567}" type="datetimeFigureOut">
-              <a:rPr lang="en-US" dirty="0"/>
+              <a:rPr lang="en-US" smtClean="0"/>
               <a:pPr/>
               <a:t>12/28/2020</a:t>
             </a:fld>
@@ -3309,7 +3345,7 @@
           <a:lstStyle/>
           <a:p>
             <a:fld id="{D57F1E4F-1CFF-5643-939E-217C01CDF565}" type="slidenum">
-              <a:rPr lang="en-US" dirty="0"/>
+              <a:rPr lang="en-US" smtClean="0"/>
               <a:pPr/>
               <a:t>‹#›</a:t>
             </a:fld>
@@ -3318,17 +3354,15 @@
         </p:txBody>
       </p:sp>
     </p:spTree>
+    <p:extLst>
+      <p:ext uri="{BB962C8B-B14F-4D97-AF65-F5344CB8AC3E}">
+        <p14:creationId xmlns:p14="http://schemas.microsoft.com/office/powerpoint/2010/main" val="2972607509"/>
+      </p:ext>
+    </p:extLst>
   </p:cSld>
   <p:clrMapOvr>
     <a:masterClrMapping/>
   </p:clrMapOvr>
-  <p:timing>
-    <p:tnLst>
-      <p:par>
-        <p:cTn id="1" dur="indefinite" restart="never" nodeType="tmRoot"/>
-      </p:par>
-    </p:tnLst>
-  </p:timing>
 </p:sldLayout>
 </file>
 
@@ -3502,7 +3536,7 @@
           <a:lstStyle/>
           <a:p>
             <a:fld id="{EB712588-04B1-427B-82EE-E8DB90309F08}" type="datetimeFigureOut">
-              <a:rPr lang="en-US" dirty="0"/>
+              <a:rPr lang="en-US" smtClean="0"/>
               <a:t>12/28/2020</a:t>
             </a:fld>
             <a:endParaRPr lang="en-US" dirty="0"/>
@@ -3544,7 +3578,7 @@
           <a:lstStyle/>
           <a:p>
             <a:fld id="{6FF9F0C5-380F-41C2-899A-BAC0F0927E16}" type="slidenum">
-              <a:rPr lang="en-US" dirty="0"/>
+              <a:rPr lang="en-US" smtClean="0"/>
               <a:t>‹#›</a:t>
             </a:fld>
             <a:endParaRPr lang="en-US" dirty="0"/>
@@ -3574,11 +3608,7 @@
           <a:p>
             <a:r>
               <a:rPr lang="zh-TW" altLang="en-US" sz="1600" dirty="0" smtClean="0"/>
-              <a:t>https://github.com/liulawsi/LLC_Python/tree/main/Section</a:t>
-            </a:r>
-            <a:r>
-              <a:rPr lang="zh-TW" altLang="en-US" sz="1600" dirty="0" smtClean="0"/>
-              <a:t>0</a:t>
+              <a:t>https://github.com/liulawsi/LLC_Python/tree/main/Section0</a:t>
             </a:r>
             <a:r>
               <a:rPr lang="en-US" altLang="zh-TW" sz="1600" dirty="0" smtClean="0"/>
@@ -3589,17 +3619,15 @@
         </p:txBody>
       </p:sp>
     </p:spTree>
+    <p:extLst>
+      <p:ext uri="{BB962C8B-B14F-4D97-AF65-F5344CB8AC3E}">
+        <p14:creationId xmlns:p14="http://schemas.microsoft.com/office/powerpoint/2010/main" val="3500873397"/>
+      </p:ext>
+    </p:extLst>
   </p:cSld>
   <p:clrMapOvr>
     <a:masterClrMapping/>
   </p:clrMapOvr>
-  <p:timing>
-    <p:tnLst>
-      <p:par>
-        <p:cTn id="1" dur="indefinite" restart="never" nodeType="tmRoot"/>
-      </p:par>
-    </p:tnLst>
-  </p:timing>
 </p:sldLayout>
 </file>
 
@@ -3915,7 +3943,7 @@
           <a:lstStyle/>
           <a:p>
             <a:fld id="{B61BEF0D-F0BB-DE4B-95CE-6DB70DBA9567}" type="datetimeFigureOut">
-              <a:rPr lang="en-US" dirty="0"/>
+              <a:rPr lang="en-US" smtClean="0"/>
               <a:pPr/>
               <a:t>12/28/2020</a:t>
             </a:fld>
@@ -3958,7 +3986,7 @@
           <a:lstStyle/>
           <a:p>
             <a:fld id="{D57F1E4F-1CFF-5643-939E-217C01CDF565}" type="slidenum">
-              <a:rPr lang="en-US" dirty="0"/>
+              <a:rPr lang="en-US" smtClean="0"/>
               <a:pPr/>
               <a:t>‹#›</a:t>
             </a:fld>
@@ -3989,11 +4017,7 @@
           <a:p>
             <a:r>
               <a:rPr lang="zh-TW" altLang="en-US" sz="1600" dirty="0" smtClean="0"/>
-              <a:t>https://github.com/liulawsi/LLC_Python/tree/main/Section</a:t>
-            </a:r>
-            <a:r>
-              <a:rPr lang="zh-TW" altLang="en-US" sz="1600" dirty="0" smtClean="0"/>
-              <a:t>0</a:t>
+              <a:t>https://github.com/liulawsi/LLC_Python/tree/main/Section0</a:t>
             </a:r>
             <a:r>
               <a:rPr lang="en-US" altLang="zh-TW" sz="1600" dirty="0" smtClean="0"/>
@@ -4004,6 +4028,11 @@
         </p:txBody>
       </p:sp>
     </p:spTree>
+    <p:extLst>
+      <p:ext uri="{BB962C8B-B14F-4D97-AF65-F5344CB8AC3E}">
+        <p14:creationId xmlns:p14="http://schemas.microsoft.com/office/powerpoint/2010/main" val="9461318"/>
+      </p:ext>
+    </p:extLst>
   </p:cSld>
   <p:clrMapOvr>
     <a:masterClrMapping/>
@@ -4072,7 +4101,7 @@
           <a:lstStyle/>
           <a:p>
             <a:fld id="{B61BEF0D-F0BB-DE4B-95CE-6DB70DBA9567}" type="datetimeFigureOut">
-              <a:rPr lang="en-US" dirty="0"/>
+              <a:rPr lang="en-US" smtClean="0"/>
               <a:pPr/>
               <a:t>12/28/2020</a:t>
             </a:fld>
@@ -4115,7 +4144,7 @@
           <a:lstStyle/>
           <a:p>
             <a:fld id="{D57F1E4F-1CFF-5643-939E-217C01CDF565}" type="slidenum">
-              <a:rPr lang="en-US" dirty="0"/>
+              <a:rPr lang="en-US" smtClean="0"/>
               <a:pPr/>
               <a:t>‹#›</a:t>
             </a:fld>
@@ -4146,11 +4175,7 @@
           <a:p>
             <a:r>
               <a:rPr lang="zh-TW" altLang="en-US" sz="1600" dirty="0" smtClean="0"/>
-              <a:t>https://github.com/liulawsi/LLC_Python/tree/main/Section</a:t>
-            </a:r>
-            <a:r>
-              <a:rPr lang="zh-TW" altLang="en-US" sz="1600" dirty="0" smtClean="0"/>
-              <a:t>0</a:t>
+              <a:t>https://github.com/liulawsi/LLC_Python/tree/main/Section0</a:t>
             </a:r>
             <a:r>
               <a:rPr lang="en-US" altLang="zh-TW" sz="1600" dirty="0" smtClean="0"/>
@@ -4161,6 +4186,11 @@
         </p:txBody>
       </p:sp>
     </p:spTree>
+    <p:extLst>
+      <p:ext uri="{BB962C8B-B14F-4D97-AF65-F5344CB8AC3E}">
+        <p14:creationId xmlns:p14="http://schemas.microsoft.com/office/powerpoint/2010/main" val="2207497871"/>
+      </p:ext>
+    </p:extLst>
   </p:cSld>
   <p:clrMapOvr>
     <a:masterClrMapping/>
@@ -4201,7 +4231,7 @@
           <a:lstStyle/>
           <a:p>
             <a:fld id="{B61BEF0D-F0BB-DE4B-95CE-6DB70DBA9567}" type="datetimeFigureOut">
-              <a:rPr lang="en-US" dirty="0"/>
+              <a:rPr lang="en-US" smtClean="0"/>
               <a:pPr/>
               <a:t>12/28/2020</a:t>
             </a:fld>
@@ -4244,7 +4274,7 @@
           <a:lstStyle/>
           <a:p>
             <a:fld id="{D57F1E4F-1CFF-5643-939E-217C01CDF565}" type="slidenum">
-              <a:rPr lang="en-US" dirty="0"/>
+              <a:rPr lang="en-US" smtClean="0"/>
               <a:pPr/>
               <a:t>‹#›</a:t>
             </a:fld>
@@ -4253,6 +4283,11 @@
         </p:txBody>
       </p:sp>
     </p:spTree>
+    <p:extLst>
+      <p:ext uri="{BB962C8B-B14F-4D97-AF65-F5344CB8AC3E}">
+        <p14:creationId xmlns:p14="http://schemas.microsoft.com/office/powerpoint/2010/main" val="1370391077"/>
+      </p:ext>
+    </p:extLst>
   </p:cSld>
   <p:clrMapOvr>
     <a:masterClrMapping/>
@@ -4304,7 +4339,7 @@
           </a:lstStyle>
           <a:p>
             <a:r>
-              <a:rPr lang="zh-TW" altLang="en-US" smtClean="0"/>
+              <a:rPr lang="zh-TW" altLang="en-US" dirty="0" smtClean="0"/>
               <a:t>按一下以編輯母片標題樣式</a:t>
             </a:r>
             <a:endParaRPr lang="en-US" dirty="0"/>
@@ -4453,7 +4488,7 @@
           <a:lstStyle/>
           <a:p>
             <a:fld id="{42A54C80-263E-416B-A8E0-580EDEADCBDC}" type="datetimeFigureOut">
-              <a:rPr lang="en-US" dirty="0"/>
+              <a:rPr lang="en-US" smtClean="0"/>
               <a:t>12/28/2020</a:t>
             </a:fld>
             <a:endParaRPr lang="en-US" dirty="0"/>
@@ -4495,7 +4530,7 @@
           <a:lstStyle/>
           <a:p>
             <a:fld id="{519954A3-9DFD-4C44-94BA-B95130A3BA1C}" type="slidenum">
-              <a:rPr lang="en-US" dirty="0"/>
+              <a:rPr lang="en-US" smtClean="0"/>
               <a:t>‹#›</a:t>
             </a:fld>
             <a:endParaRPr lang="en-US" dirty="0"/>
@@ -4503,6 +4538,11 @@
         </p:txBody>
       </p:sp>
     </p:spTree>
+    <p:extLst>
+      <p:ext uri="{BB962C8B-B14F-4D97-AF65-F5344CB8AC3E}">
+        <p14:creationId xmlns:p14="http://schemas.microsoft.com/office/powerpoint/2010/main" val="2192683886"/>
+      </p:ext>
+    </p:extLst>
   </p:cSld>
   <p:clrMapOvr>
     <a:masterClrMapping/>
@@ -4697,30 +4737,6 @@
       </p:sp>
       <p:sp>
         <p:nvSpPr>
-          <p:cNvPr id="5" name="Date Placeholder 4"/>
-          <p:cNvSpPr>
-            <a:spLocks noGrp="1"/>
-          </p:cNvSpPr>
-          <p:nvPr>
-            <p:ph type="dt" sz="half" idx="10"/>
-          </p:nvPr>
-        </p:nvSpPr>
-        <p:spPr/>
-        <p:txBody>
-          <a:bodyPr/>
-          <a:lstStyle/>
-          <a:p>
-            <a:fld id="{B61BEF0D-F0BB-DE4B-95CE-6DB70DBA9567}" type="datetimeFigureOut">
-              <a:rPr lang="en-US" dirty="0"/>
-              <a:pPr/>
-              <a:t>12/28/2020</a:t>
-            </a:fld>
-            <a:endParaRPr lang="en-US" dirty="0"/>
-          </a:p>
-        </p:txBody>
-      </p:sp>
-      <p:sp>
-        <p:nvSpPr>
           <p:cNvPr id="6" name="Footer Placeholder 5"/>
           <p:cNvSpPr>
             <a:spLocks noGrp="1"/>
@@ -4754,7 +4770,7 @@
           <a:lstStyle/>
           <a:p>
             <a:fld id="{D57F1E4F-1CFF-5643-939E-217C01CDF565}" type="slidenum">
-              <a:rPr lang="en-US" dirty="0"/>
+              <a:rPr lang="en-US" smtClean="0"/>
               <a:pPr/>
               <a:t>‹#›</a:t>
             </a:fld>
@@ -4762,7 +4778,36 @@
           </a:p>
         </p:txBody>
       </p:sp>
+      <p:sp>
+        <p:nvSpPr>
+          <p:cNvPr id="5" name="Date Placeholder 4"/>
+          <p:cNvSpPr>
+            <a:spLocks noGrp="1"/>
+          </p:cNvSpPr>
+          <p:nvPr>
+            <p:ph type="dt" sz="half" idx="10"/>
+          </p:nvPr>
+        </p:nvSpPr>
+        <p:spPr/>
+        <p:txBody>
+          <a:bodyPr/>
+          <a:lstStyle/>
+          <a:p>
+            <a:fld id="{B61BEF0D-F0BB-DE4B-95CE-6DB70DBA9567}" type="datetimeFigureOut">
+              <a:rPr lang="en-US" smtClean="0"/>
+              <a:pPr/>
+              <a:t>12/28/2020</a:t>
+            </a:fld>
+            <a:endParaRPr lang="en-US" dirty="0"/>
+          </a:p>
+        </p:txBody>
+      </p:sp>
     </p:spTree>
+    <p:extLst>
+      <p:ext uri="{BB962C8B-B14F-4D97-AF65-F5344CB8AC3E}">
+        <p14:creationId xmlns:p14="http://schemas.microsoft.com/office/powerpoint/2010/main" val="1385124601"/>
+      </p:ext>
+    </p:extLst>
   </p:cSld>
   <p:clrMapOvr>
     <a:masterClrMapping/>
@@ -4794,7 +4839,7 @@
       </p:grpSpPr>
       <p:grpSp>
         <p:nvGrpSpPr>
-          <p:cNvPr id="7" name="Group 6"/>
+          <p:cNvPr id="44" name="Group 43"/>
           <p:cNvGrpSpPr/>
           <p:nvPr/>
         </p:nvGrpSpPr>
@@ -4822,8 +4867,8 @@
             </a:prstGeom>
             <a:ln w="9525">
               <a:solidFill>
-                <a:schemeClr val="bg1">
-                  <a:lumMod val="75000"/>
+                <a:schemeClr val="accent1">
+                  <a:alpha val="70000"/>
                 </a:schemeClr>
               </a:solidFill>
             </a:ln>
@@ -4859,8 +4904,8 @@
             </a:prstGeom>
             <a:ln w="9525">
               <a:solidFill>
-                <a:schemeClr val="bg1">
-                  <a:lumMod val="85000"/>
+                <a:schemeClr val="accent1">
+                  <a:alpha val="70000"/>
                 </a:schemeClr>
               </a:solidFill>
             </a:ln>
@@ -4920,7 +4965,7 @@
             </a:custGeom>
             <a:solidFill>
               <a:schemeClr val="accent1">
-                <a:alpha val="30000"/>
+                <a:alpha val="36000"/>
               </a:schemeClr>
             </a:solidFill>
             <a:ln>
@@ -5023,8 +5068,9 @@
               </a:avLst>
             </a:prstGeom>
             <a:solidFill>
-              <a:schemeClr val="accent2">
-                <a:alpha val="72000"/>
+              <a:schemeClr val="accent1">
+                <a:lumMod val="75000"/>
+                <a:alpha val="66000"/>
               </a:schemeClr>
             </a:solidFill>
             <a:ln>
@@ -5086,9 +5132,9 @@
               </a:pathLst>
             </a:custGeom>
             <a:solidFill>
-              <a:schemeClr val="accent2">
+              <a:schemeClr val="accent1">
                 <a:lumMod val="75000"/>
-                <a:alpha val="70000"/>
+                <a:alpha val="50000"/>
               </a:schemeClr>
             </a:solidFill>
             <a:ln>
@@ -5150,9 +5196,7 @@
               </a:pathLst>
             </a:custGeom>
             <a:solidFill>
-              <a:schemeClr val="accent1">
-                <a:lumMod val="60000"/>
-                <a:lumOff val="40000"/>
+              <a:schemeClr val="accent2">
                 <a:alpha val="70000"/>
               </a:schemeClr>
             </a:solidFill>
@@ -5215,8 +5259,9 @@
               </a:pathLst>
             </a:custGeom>
             <a:solidFill>
-              <a:schemeClr val="accent1">
-                <a:alpha val="65000"/>
+              <a:schemeClr val="accent2">
+                <a:lumMod val="75000"/>
+                <a:alpha val="80000"/>
               </a:schemeClr>
             </a:solidFill>
             <a:ln>
@@ -5257,7 +5302,8 @@
             </a:prstGeom>
             <a:solidFill>
               <a:schemeClr val="accent1">
-                <a:alpha val="80000"/>
+                <a:lumMod val="75000"/>
+                <a:alpha val="66000"/>
               </a:schemeClr>
             </a:solidFill>
             <a:ln>
@@ -5282,7 +5328,7 @@
         </p:sp>
         <p:sp>
           <p:nvSpPr>
-            <p:cNvPr id="29" name="Isosceles Triangle 28"/>
+            <p:cNvPr id="19" name="Isosceles Triangle 18"/>
             <p:cNvSpPr/>
             <p:nvPr/>
           </p:nvSpPr>
@@ -5298,7 +5344,7 @@
             </a:prstGeom>
             <a:solidFill>
               <a:schemeClr val="accent1">
-                <a:alpha val="85000"/>
+                <a:alpha val="70000"/>
               </a:schemeClr>
             </a:solidFill>
             <a:ln>
@@ -5348,7 +5394,7 @@
           <a:lstStyle/>
           <a:p>
             <a:r>
-              <a:rPr lang="zh-TW" altLang="en-US" smtClean="0"/>
+              <a:rPr lang="zh-TW" altLang="en-US" dirty="0" smtClean="0"/>
               <a:t>按一下以編輯母片標題樣式</a:t>
             </a:r>
             <a:endParaRPr lang="en-US" dirty="0"/>
@@ -5451,7 +5497,7 @@
           </a:lstStyle>
           <a:p>
             <a:fld id="{B61BEF0D-F0BB-DE4B-95CE-6DB70DBA9567}" type="datetimeFigureOut">
-              <a:rPr lang="en-US" dirty="0"/>
+              <a:rPr lang="en-US" smtClean="0"/>
               <a:pPr/>
               <a:t>12/28/2020</a:t>
             </a:fld>
@@ -5528,7 +5574,7 @@
           </a:lstStyle>
           <a:p>
             <a:fld id="{D57F1E4F-1CFF-5643-939E-217C01CDF565}" type="slidenum">
-              <a:rPr lang="en-US" dirty="0"/>
+              <a:rPr lang="en-US" smtClean="0"/>
               <a:pPr/>
               <a:t>‹#›</a:t>
             </a:fld>
@@ -5578,33 +5624,31 @@
         </p:spPr>
       </p:pic>
     </p:spTree>
+    <p:extLst>
+      <p:ext uri="{BB962C8B-B14F-4D97-AF65-F5344CB8AC3E}">
+        <p14:creationId xmlns:p14="http://schemas.microsoft.com/office/powerpoint/2010/main" val="2668967894"/>
+      </p:ext>
+    </p:extLst>
   </p:cSld>
   <p:clrMap bg1="lt1" tx1="dk1" bg2="lt2" tx2="dk2" accent1="accent1" accent2="accent2" accent3="accent3" accent4="accent4" accent5="accent5" accent6="accent6" hlink="hlink" folHlink="folHlink"/>
   <p:sldLayoutIdLst>
-    <p:sldLayoutId id="2147483649" r:id="rId1"/>
-    <p:sldLayoutId id="2147483650" r:id="rId2"/>
-    <p:sldLayoutId id="2147483651" r:id="rId3"/>
-    <p:sldLayoutId id="2147483665" r:id="rId4"/>
-    <p:sldLayoutId id="2147483653" r:id="rId5"/>
-    <p:sldLayoutId id="2147483654" r:id="rId6"/>
-    <p:sldLayoutId id="2147483655" r:id="rId7"/>
-    <p:sldLayoutId id="2147483666" r:id="rId8"/>
-    <p:sldLayoutId id="2147483657" r:id="rId9"/>
-    <p:sldLayoutId id="2147483660" r:id="rId10"/>
-    <p:sldLayoutId id="2147483661" r:id="rId11"/>
-    <p:sldLayoutId id="2147483662" r:id="rId12"/>
-    <p:sldLayoutId id="2147483663" r:id="rId13"/>
-    <p:sldLayoutId id="2147483664" r:id="rId14"/>
-    <p:sldLayoutId id="2147483667" r:id="rId15"/>
-    <p:sldLayoutId id="2147483659" r:id="rId16"/>
+    <p:sldLayoutId id="2147483669" r:id="rId1"/>
+    <p:sldLayoutId id="2147483670" r:id="rId2"/>
+    <p:sldLayoutId id="2147483671" r:id="rId3"/>
+    <p:sldLayoutId id="2147483672" r:id="rId4"/>
+    <p:sldLayoutId id="2147483673" r:id="rId5"/>
+    <p:sldLayoutId id="2147483674" r:id="rId6"/>
+    <p:sldLayoutId id="2147483675" r:id="rId7"/>
+    <p:sldLayoutId id="2147483676" r:id="rId8"/>
+    <p:sldLayoutId id="2147483677" r:id="rId9"/>
+    <p:sldLayoutId id="2147483678" r:id="rId10"/>
+    <p:sldLayoutId id="2147483679" r:id="rId11"/>
+    <p:sldLayoutId id="2147483680" r:id="rId12"/>
+    <p:sldLayoutId id="2147483681" r:id="rId13"/>
+    <p:sldLayoutId id="2147483682" r:id="rId14"/>
+    <p:sldLayoutId id="2147483683" r:id="rId15"/>
+    <p:sldLayoutId id="2147483684" r:id="rId16"/>
   </p:sldLayoutIdLst>
-  <p:timing>
-    <p:tnLst>
-      <p:par>
-        <p:cTn id="1" dur="indefinite" restart="never" nodeType="tmRoot"/>
-      </p:par>
-    </p:tnLst>
-  </p:timing>
   <p:txStyles>
     <p:titleStyle>
       <a:lvl1pPr algn="l" defTabSz="457200" rtl="0" eaLnBrk="1" latinLnBrk="0" hangingPunct="1">
@@ -5614,7 +5658,7 @@
         <a:buNone/>
         <a:defRPr sz="3600" kern="1200">
           <a:solidFill>
-            <a:schemeClr val="accent1"/>
+            <a:srgbClr val="0070C0"/>
           </a:solidFill>
           <a:latin typeface="+mj-lt"/>
           <a:ea typeface="+mj-ea"/>
@@ -6034,7 +6078,6 @@
               <a:rPr lang="zh-TW" altLang="en-US" dirty="0"/>
               <a:t>千里之行始於足下</a:t>
             </a:r>
-            <a:endParaRPr lang="zh-TW" altLang="en-US" dirty="0"/>
           </a:p>
         </p:txBody>
       </p:sp>
@@ -6093,11 +6136,7 @@
           <a:p>
             <a:r>
               <a:rPr lang="zh-TW" altLang="en-US" dirty="0" smtClean="0"/>
-              <a:t>劉</a:t>
-            </a:r>
-            <a:r>
-              <a:rPr lang="zh-TW" altLang="en-US" dirty="0" smtClean="0"/>
-              <a:t>崇汎</a:t>
+              <a:t>劉崇汎</a:t>
             </a:r>
             <a:endParaRPr lang="en-US" altLang="zh-TW" dirty="0" smtClean="0"/>
           </a:p>
@@ -6222,7 +6261,6 @@
               <a:rPr lang="en-US" altLang="zh-TW" dirty="0" smtClean="0"/>
               <a:t>Total</a:t>
             </a:r>
-            <a:endParaRPr lang="en-US" altLang="zh-TW" dirty="0" smtClean="0"/>
           </a:p>
           <a:p>
             <a:pPr lvl="1"/>
@@ -6508,15 +6546,7 @@
           <a:p>
             <a:r>
               <a:rPr lang="zh-TW" altLang="en-US" dirty="0" smtClean="0"/>
-              <a:t>資料</a:t>
-            </a:r>
-            <a:r>
-              <a:rPr lang="zh-TW" altLang="en-US" dirty="0" smtClean="0"/>
-              <a:t>型</a:t>
-            </a:r>
-            <a:r>
-              <a:rPr lang="zh-TW" altLang="en-US" dirty="0" smtClean="0"/>
-              <a:t>別</a:t>
+              <a:t>資料型別</a:t>
             </a:r>
             <a:r>
               <a:rPr lang="en-US" altLang="zh-TW" dirty="0" smtClean="0"/>
@@ -6529,7 +6559,6 @@
               <a:rPr lang="zh-TW" altLang="en-US" dirty="0"/>
               <a:t>基本款</a:t>
             </a:r>
-            <a:endParaRPr lang="zh-TW" altLang="en-US" dirty="0"/>
           </a:p>
         </p:txBody>
       </p:sp>
@@ -6609,11 +6638,7 @@
             </a:r>
             <a:r>
               <a:rPr lang="zh-TW" altLang="en-US" dirty="0" smtClean="0"/>
-              <a:t>可能</a:t>
-            </a:r>
-            <a:r>
-              <a:rPr lang="zh-TW" altLang="en-US" dirty="0" smtClean="0"/>
-              <a:t>：</a:t>
+              <a:t>可能：</a:t>
             </a:r>
             <a:r>
               <a:rPr lang="en-US" altLang="zh-TW" dirty="0" smtClean="0"/>
@@ -17346,7 +17371,7 @@
 <file path=ppt/theme/theme1.xml><?xml version="1.0" encoding="utf-8"?>
 <a:theme xmlns:a="http://schemas.openxmlformats.org/drawingml/2006/main" name="多面向">
   <a:themeElements>
-    <a:clrScheme name="Facet">
+    <a:clrScheme name="多面向">
       <a:dk1>
         <a:sysClr val="windowText" lastClr="000000"/>
       </a:dk1>
@@ -17360,31 +17385,31 @@
         <a:srgbClr val="EBEBEB"/>
       </a:lt2>
       <a:accent1>
-        <a:srgbClr val="90C226"/>
+        <a:srgbClr val="5FCBEF"/>
       </a:accent1>
       <a:accent2>
-        <a:srgbClr val="54A021"/>
+        <a:srgbClr val="2E83C3"/>
       </a:accent2>
       <a:accent3>
-        <a:srgbClr val="E6B91E"/>
+        <a:srgbClr val="42D0A2"/>
       </a:accent3>
       <a:accent4>
-        <a:srgbClr val="E76618"/>
+        <a:srgbClr val="2E946B"/>
       </a:accent4>
       <a:accent5>
-        <a:srgbClr val="C42F1A"/>
+        <a:srgbClr val="42B051"/>
       </a:accent5>
       <a:accent6>
-        <a:srgbClr val="918655"/>
+        <a:srgbClr val="96D141"/>
       </a:accent6>
       <a:hlink>
-        <a:srgbClr val="99CA3C"/>
+        <a:srgbClr val="3FCDE7"/>
       </a:hlink>
       <a:folHlink>
-        <a:srgbClr val="B9D181"/>
+        <a:srgbClr val="A9D3E1"/>
       </a:folHlink>
     </a:clrScheme>
-    <a:fontScheme name="Facet">
+    <a:fontScheme name="多面向">
       <a:majorFont>
         <a:latin typeface="Trebuchet MS" panose="020B0603020202020204"/>
         <a:ea typeface=""/>
@@ -17456,7 +17481,7 @@
         <a:font script="Geor" typeface="Sylfaen"/>
       </a:minorFont>
     </a:fontScheme>
-    <a:fmtScheme name="Facet">
+    <a:fmtScheme name="多面向">
       <a:fillStyleLst>
         <a:solidFill>
           <a:schemeClr val="phClr"/>
@@ -17594,7 +17619,7 @@
   <a:extraClrSchemeLst/>
   <a:extLst>
     <a:ext uri="{05A4C25C-085E-4340-85A3-A5531E510DB2}">
-      <thm15:themeFamily xmlns:thm15="http://schemas.microsoft.com/office/thememl/2012/main" name="Facet" id="{C0C680CD-088A-49FC-A102-D699147F32B2}" vid="{CFBC31BA-B70F-4F30-BCAA-4F3011E16C4D}"/>
+      <thm15:themeFamily xmlns:thm15="http://schemas.microsoft.com/office/thememl/2012/main" name="Facet" id="{C0C680CD-088A-49FC-A102-D699147F32B2}" vid="{0B5AB586-D108-4FC1-8368-649FE654B894}"/>
     </a:ext>
   </a:extLst>
 </a:theme>

--- a/LCC/Python/01_千里之行始於足下.pptx
+++ b/LCC/Python/01_千里之行始於足下.pptx
@@ -885,7 +885,7 @@
             <a:fld id="{B61BEF0D-F0BB-DE4B-95CE-6DB70DBA9567}" type="datetimeFigureOut">
               <a:rPr lang="en-US" smtClean="0"/>
               <a:pPr/>
-              <a:t>12/30/2020</a:t>
+              <a:t>1/4/2021</a:t>
             </a:fld>
             <a:endParaRPr lang="en-US" dirty="0"/>
           </a:p>
@@ -1138,7 +1138,7 @@
             <a:fld id="{B61BEF0D-F0BB-DE4B-95CE-6DB70DBA9567}" type="datetimeFigureOut">
               <a:rPr lang="en-US" smtClean="0"/>
               <a:pPr/>
-              <a:t>12/30/2020</a:t>
+              <a:t>1/4/2021</a:t>
             </a:fld>
             <a:endParaRPr lang="en-US" dirty="0"/>
           </a:p>
@@ -1454,7 +1454,7 @@
             <a:fld id="{B61BEF0D-F0BB-DE4B-95CE-6DB70DBA9567}" type="datetimeFigureOut">
               <a:rPr lang="en-US" smtClean="0"/>
               <a:pPr/>
-              <a:t>12/30/2020</a:t>
+              <a:t>1/4/2021</a:t>
             </a:fld>
             <a:endParaRPr lang="en-US" dirty="0"/>
           </a:p>
@@ -1789,7 +1789,7 @@
             <a:fld id="{B61BEF0D-F0BB-DE4B-95CE-6DB70DBA9567}" type="datetimeFigureOut">
               <a:rPr lang="en-US" smtClean="0"/>
               <a:pPr/>
-              <a:t>12/30/2020</a:t>
+              <a:t>1/4/2021</a:t>
             </a:fld>
             <a:endParaRPr lang="en-US" dirty="0"/>
           </a:p>
@@ -2105,7 +2105,7 @@
             <a:fld id="{B61BEF0D-F0BB-DE4B-95CE-6DB70DBA9567}" type="datetimeFigureOut">
               <a:rPr lang="en-US" smtClean="0"/>
               <a:pPr/>
-              <a:t>12/30/2020</a:t>
+              <a:t>1/4/2021</a:t>
             </a:fld>
             <a:endParaRPr lang="en-US" dirty="0"/>
           </a:p>
@@ -2500,7 +2500,7 @@
             <a:fld id="{B61BEF0D-F0BB-DE4B-95CE-6DB70DBA9567}" type="datetimeFigureOut">
               <a:rPr lang="en-US" smtClean="0"/>
               <a:pPr/>
-              <a:t>12/30/2020</a:t>
+              <a:t>1/4/2021</a:t>
             </a:fld>
             <a:endParaRPr lang="en-US" dirty="0"/>
           </a:p>
@@ -2671,7 +2671,7 @@
           <a:p>
             <a:fld id="{55C6B4A9-1611-4792-9094-5F34BCA07E0B}" type="datetimeFigureOut">
               <a:rPr lang="en-US" smtClean="0"/>
-              <a:t>12/30/2020</a:t>
+              <a:t>1/4/2021</a:t>
             </a:fld>
             <a:endParaRPr lang="en-US" dirty="0"/>
           </a:p>
@@ -2852,7 +2852,7 @@
             <a:fld id="{B61BEF0D-F0BB-DE4B-95CE-6DB70DBA9567}" type="datetimeFigureOut">
               <a:rPr lang="en-US" smtClean="0"/>
               <a:pPr/>
-              <a:t>12/30/2020</a:t>
+              <a:t>1/4/2021</a:t>
             </a:fld>
             <a:endParaRPr lang="en-US" dirty="0"/>
           </a:p>
@@ -3024,7 +3024,7 @@
             <a:fld id="{B61BEF0D-F0BB-DE4B-95CE-6DB70DBA9567}" type="datetimeFigureOut">
               <a:rPr lang="en-US" smtClean="0"/>
               <a:pPr/>
-              <a:t>12/30/2020</a:t>
+              <a:t>1/4/2021</a:t>
             </a:fld>
             <a:endParaRPr lang="en-US" dirty="0"/>
           </a:p>
@@ -3306,7 +3306,7 @@
             <a:fld id="{B61BEF0D-F0BB-DE4B-95CE-6DB70DBA9567}" type="datetimeFigureOut">
               <a:rPr lang="en-US" smtClean="0"/>
               <a:pPr/>
-              <a:t>12/30/2020</a:t>
+              <a:t>1/4/2021</a:t>
             </a:fld>
             <a:endParaRPr lang="en-US" dirty="0"/>
           </a:p>
@@ -3539,7 +3539,7 @@
           <a:p>
             <a:fld id="{EB712588-04B1-427B-82EE-E8DB90309F08}" type="datetimeFigureOut">
               <a:rPr lang="en-US" smtClean="0"/>
-              <a:t>12/30/2020</a:t>
+              <a:t>1/4/2021</a:t>
             </a:fld>
             <a:endParaRPr lang="en-US" dirty="0"/>
           </a:p>
@@ -3947,7 +3947,7 @@
             <a:fld id="{B61BEF0D-F0BB-DE4B-95CE-6DB70DBA9567}" type="datetimeFigureOut">
               <a:rPr lang="en-US" smtClean="0"/>
               <a:pPr/>
-              <a:t>12/30/2020</a:t>
+              <a:t>1/4/2021</a:t>
             </a:fld>
             <a:endParaRPr lang="en-US" dirty="0"/>
           </a:p>
@@ -4105,7 +4105,7 @@
             <a:fld id="{B61BEF0D-F0BB-DE4B-95CE-6DB70DBA9567}" type="datetimeFigureOut">
               <a:rPr lang="en-US" smtClean="0"/>
               <a:pPr/>
-              <a:t>12/30/2020</a:t>
+              <a:t>1/4/2021</a:t>
             </a:fld>
             <a:endParaRPr lang="en-US" dirty="0"/>
           </a:p>
@@ -4235,7 +4235,7 @@
             <a:fld id="{B61BEF0D-F0BB-DE4B-95CE-6DB70DBA9567}" type="datetimeFigureOut">
               <a:rPr lang="en-US" smtClean="0"/>
               <a:pPr/>
-              <a:t>12/30/2020</a:t>
+              <a:t>1/4/2021</a:t>
             </a:fld>
             <a:endParaRPr lang="en-US" dirty="0"/>
           </a:p>
@@ -4491,7 +4491,7 @@
           <a:p>
             <a:fld id="{42A54C80-263E-416B-A8E0-580EDEADCBDC}" type="datetimeFigureOut">
               <a:rPr lang="en-US" smtClean="0"/>
-              <a:t>12/30/2020</a:t>
+              <a:t>1/4/2021</a:t>
             </a:fld>
             <a:endParaRPr lang="en-US" dirty="0"/>
           </a:p>
@@ -4798,7 +4798,7 @@
             <a:fld id="{B61BEF0D-F0BB-DE4B-95CE-6DB70DBA9567}" type="datetimeFigureOut">
               <a:rPr lang="en-US" smtClean="0"/>
               <a:pPr/>
-              <a:t>12/30/2020</a:t>
+              <a:t>1/4/2021</a:t>
             </a:fld>
             <a:endParaRPr lang="en-US" dirty="0"/>
           </a:p>
@@ -5501,7 +5501,7 @@
             <a:fld id="{B61BEF0D-F0BB-DE4B-95CE-6DB70DBA9567}" type="datetimeFigureOut">
               <a:rPr lang="en-US" smtClean="0"/>
               <a:pPr/>
-              <a:t>12/30/2020</a:t>
+              <a:t>1/4/2021</a:t>
             </a:fld>
             <a:endParaRPr lang="en-US" dirty="0"/>
           </a:p>
@@ -11309,7 +11309,7 @@
             <a:r>
               <a:rPr lang="zh-TW" altLang="en-US" b="1" u="sng" dirty="0" smtClean="0">
                 <a:solidFill>
-                  <a:schemeClr val="accent5"/>
+                  <a:srgbClr val="FF0000"/>
                 </a:solidFill>
               </a:rPr>
               <a:t>不需事先宣告型別</a:t>
@@ -13528,15 +13528,7 @@
                     <a:schemeClr val="tx1"/>
                   </a:solidFill>
                 </a:rPr>
-                <a:t>舉頭</a:t>
-              </a:r>
-              <a:r>
-                <a:rPr lang="zh-TW" altLang="en-US" dirty="0" smtClean="0">
-                  <a:solidFill>
-                    <a:schemeClr val="tx1"/>
-                  </a:solidFill>
-                </a:rPr>
-                <a:t>望黑板  低頭吃便當</a:t>
+                <a:t>舉頭望黑板  低頭吃便當</a:t>
               </a:r>
               <a:endParaRPr lang="en-US" altLang="zh-TW" dirty="0" smtClean="0">
                 <a:solidFill>
@@ -13636,23 +13628,7 @@
                     <a:schemeClr val="tx1"/>
                   </a:solidFill>
                 </a:rPr>
-                <a:t> </a:t>
-              </a:r>
-              <a:r>
-                <a:rPr lang="zh-TW" altLang="en-US" dirty="0" smtClean="0">
-                  <a:solidFill>
-                    <a:schemeClr val="tx1"/>
-                  </a:solidFill>
-                </a:rPr>
-                <a:t>吃  </a:t>
-              </a:r>
-              <a:r>
-                <a:rPr lang="zh-TW" altLang="en-US" dirty="0" smtClean="0">
-                  <a:solidFill>
-                    <a:schemeClr val="tx1"/>
-                  </a:solidFill>
-                </a:rPr>
-                <a:t>望  地  明  黑</a:t>
+                <a:t> 吃  望  地  明  黑</a:t>
               </a:r>
               <a:endParaRPr lang="en-US" altLang="zh-TW" dirty="0" smtClean="0">
                 <a:solidFill>
@@ -13675,23 +13651,7 @@
                     <a:schemeClr val="tx1"/>
                   </a:solidFill>
                 </a:rPr>
-                <a:t> 便  </a:t>
-              </a:r>
-              <a:r>
-                <a:rPr lang="zh-TW" altLang="en-US" dirty="0" smtClean="0">
-                  <a:solidFill>
-                    <a:schemeClr val="tx1"/>
-                  </a:solidFill>
-                </a:rPr>
-                <a:t>黑  </a:t>
-              </a:r>
-              <a:r>
-                <a:rPr lang="zh-TW" altLang="en-US" dirty="0" smtClean="0">
-                  <a:solidFill>
-                    <a:schemeClr val="tx1"/>
-                  </a:solidFill>
-                </a:rPr>
-                <a:t>上  月</a:t>
+                <a:t> 便  黑  上  月</a:t>
               </a:r>
               <a:endParaRPr lang="en-US" altLang="zh-TW" dirty="0" smtClean="0">
                 <a:solidFill>
@@ -13714,23 +13674,7 @@
                     <a:schemeClr val="tx1"/>
                   </a:solidFill>
                 </a:rPr>
-                <a:t> 當  </a:t>
-              </a:r>
-              <a:r>
-                <a:rPr lang="zh-TW" altLang="en-US" dirty="0" smtClean="0">
-                  <a:solidFill>
-                    <a:schemeClr val="tx1"/>
-                  </a:solidFill>
-                </a:rPr>
-                <a:t>板  </a:t>
-              </a:r>
-              <a:r>
-                <a:rPr lang="zh-TW" altLang="en-US" dirty="0" smtClean="0">
-                  <a:solidFill>
-                    <a:schemeClr val="tx1"/>
-                  </a:solidFill>
-                </a:rPr>
-                <a:t>霜  光  靜</a:t>
+                <a:t> 當  板  霜  光  靜</a:t>
               </a:r>
               <a:endParaRPr lang="en-US" altLang="zh-TW" dirty="0" smtClean="0">
                 <a:solidFill>
@@ -15125,7 +15069,6 @@
               <a:rPr lang="en-US" altLang="zh-TW" dirty="0" smtClean="0"/>
               <a:t>)</a:t>
             </a:r>
-            <a:endParaRPr lang="en-US" altLang="zh-TW" dirty="0" smtClean="0"/>
           </a:p>
           <a:p>
             <a:r>

--- a/LCC/Python/01_千里之行始於足下.pptx
+++ b/LCC/Python/01_千里之行始於足下.pptx
@@ -885,7 +885,7 @@
             <a:fld id="{B61BEF0D-F0BB-DE4B-95CE-6DB70DBA9567}" type="datetimeFigureOut">
               <a:rPr lang="en-US" smtClean="0"/>
               <a:pPr/>
-              <a:t>1/4/2021</a:t>
+              <a:t>1/15/2021</a:t>
             </a:fld>
             <a:endParaRPr lang="en-US" dirty="0"/>
           </a:p>
@@ -1138,7 +1138,7 @@
             <a:fld id="{B61BEF0D-F0BB-DE4B-95CE-6DB70DBA9567}" type="datetimeFigureOut">
               <a:rPr lang="en-US" smtClean="0"/>
               <a:pPr/>
-              <a:t>1/4/2021</a:t>
+              <a:t>1/15/2021</a:t>
             </a:fld>
             <a:endParaRPr lang="en-US" dirty="0"/>
           </a:p>
@@ -1454,7 +1454,7 @@
             <a:fld id="{B61BEF0D-F0BB-DE4B-95CE-6DB70DBA9567}" type="datetimeFigureOut">
               <a:rPr lang="en-US" smtClean="0"/>
               <a:pPr/>
-              <a:t>1/4/2021</a:t>
+              <a:t>1/15/2021</a:t>
             </a:fld>
             <a:endParaRPr lang="en-US" dirty="0"/>
           </a:p>
@@ -1789,7 +1789,7 @@
             <a:fld id="{B61BEF0D-F0BB-DE4B-95CE-6DB70DBA9567}" type="datetimeFigureOut">
               <a:rPr lang="en-US" smtClean="0"/>
               <a:pPr/>
-              <a:t>1/4/2021</a:t>
+              <a:t>1/15/2021</a:t>
             </a:fld>
             <a:endParaRPr lang="en-US" dirty="0"/>
           </a:p>
@@ -2105,7 +2105,7 @@
             <a:fld id="{B61BEF0D-F0BB-DE4B-95CE-6DB70DBA9567}" type="datetimeFigureOut">
               <a:rPr lang="en-US" smtClean="0"/>
               <a:pPr/>
-              <a:t>1/4/2021</a:t>
+              <a:t>1/15/2021</a:t>
             </a:fld>
             <a:endParaRPr lang="en-US" dirty="0"/>
           </a:p>
@@ -2500,7 +2500,7 @@
             <a:fld id="{B61BEF0D-F0BB-DE4B-95CE-6DB70DBA9567}" type="datetimeFigureOut">
               <a:rPr lang="en-US" smtClean="0"/>
               <a:pPr/>
-              <a:t>1/4/2021</a:t>
+              <a:t>1/15/2021</a:t>
             </a:fld>
             <a:endParaRPr lang="en-US" dirty="0"/>
           </a:p>
@@ -2671,7 +2671,7 @@
           <a:p>
             <a:fld id="{55C6B4A9-1611-4792-9094-5F34BCA07E0B}" type="datetimeFigureOut">
               <a:rPr lang="en-US" smtClean="0"/>
-              <a:t>1/4/2021</a:t>
+              <a:t>1/15/2021</a:t>
             </a:fld>
             <a:endParaRPr lang="en-US" dirty="0"/>
           </a:p>
@@ -2852,7 +2852,7 @@
             <a:fld id="{B61BEF0D-F0BB-DE4B-95CE-6DB70DBA9567}" type="datetimeFigureOut">
               <a:rPr lang="en-US" smtClean="0"/>
               <a:pPr/>
-              <a:t>1/4/2021</a:t>
+              <a:t>1/15/2021</a:t>
             </a:fld>
             <a:endParaRPr lang="en-US" dirty="0"/>
           </a:p>
@@ -3024,7 +3024,7 @@
             <a:fld id="{B61BEF0D-F0BB-DE4B-95CE-6DB70DBA9567}" type="datetimeFigureOut">
               <a:rPr lang="en-US" smtClean="0"/>
               <a:pPr/>
-              <a:t>1/4/2021</a:t>
+              <a:t>1/15/2021</a:t>
             </a:fld>
             <a:endParaRPr lang="en-US" dirty="0"/>
           </a:p>
@@ -3306,7 +3306,7 @@
             <a:fld id="{B61BEF0D-F0BB-DE4B-95CE-6DB70DBA9567}" type="datetimeFigureOut">
               <a:rPr lang="en-US" smtClean="0"/>
               <a:pPr/>
-              <a:t>1/4/2021</a:t>
+              <a:t>1/15/2021</a:t>
             </a:fld>
             <a:endParaRPr lang="en-US" dirty="0"/>
           </a:p>
@@ -3539,7 +3539,7 @@
           <a:p>
             <a:fld id="{EB712588-04B1-427B-82EE-E8DB90309F08}" type="datetimeFigureOut">
               <a:rPr lang="en-US" smtClean="0"/>
-              <a:t>1/4/2021</a:t>
+              <a:t>1/15/2021</a:t>
             </a:fld>
             <a:endParaRPr lang="en-US" dirty="0"/>
           </a:p>
@@ -3947,7 +3947,7 @@
             <a:fld id="{B61BEF0D-F0BB-DE4B-95CE-6DB70DBA9567}" type="datetimeFigureOut">
               <a:rPr lang="en-US" smtClean="0"/>
               <a:pPr/>
-              <a:t>1/4/2021</a:t>
+              <a:t>1/15/2021</a:t>
             </a:fld>
             <a:endParaRPr lang="en-US" dirty="0"/>
           </a:p>
@@ -4105,7 +4105,7 @@
             <a:fld id="{B61BEF0D-F0BB-DE4B-95CE-6DB70DBA9567}" type="datetimeFigureOut">
               <a:rPr lang="en-US" smtClean="0"/>
               <a:pPr/>
-              <a:t>1/4/2021</a:t>
+              <a:t>1/15/2021</a:t>
             </a:fld>
             <a:endParaRPr lang="en-US" dirty="0"/>
           </a:p>
@@ -4235,7 +4235,7 @@
             <a:fld id="{B61BEF0D-F0BB-DE4B-95CE-6DB70DBA9567}" type="datetimeFigureOut">
               <a:rPr lang="en-US" smtClean="0"/>
               <a:pPr/>
-              <a:t>1/4/2021</a:t>
+              <a:t>1/15/2021</a:t>
             </a:fld>
             <a:endParaRPr lang="en-US" dirty="0"/>
           </a:p>
@@ -4491,7 +4491,7 @@
           <a:p>
             <a:fld id="{42A54C80-263E-416B-A8E0-580EDEADCBDC}" type="datetimeFigureOut">
               <a:rPr lang="en-US" smtClean="0"/>
-              <a:t>1/4/2021</a:t>
+              <a:t>1/15/2021</a:t>
             </a:fld>
             <a:endParaRPr lang="en-US" dirty="0"/>
           </a:p>
@@ -4798,7 +4798,7 @@
             <a:fld id="{B61BEF0D-F0BB-DE4B-95CE-6DB70DBA9567}" type="datetimeFigureOut">
               <a:rPr lang="en-US" smtClean="0"/>
               <a:pPr/>
-              <a:t>1/4/2021</a:t>
+              <a:t>1/15/2021</a:t>
             </a:fld>
             <a:endParaRPr lang="en-US" dirty="0"/>
           </a:p>
@@ -5501,7 +5501,7 @@
             <a:fld id="{B61BEF0D-F0BB-DE4B-95CE-6DB70DBA9567}" type="datetimeFigureOut">
               <a:rPr lang="en-US" smtClean="0"/>
               <a:pPr/>
-              <a:t>1/4/2021</a:t>
+              <a:t>1/15/2021</a:t>
             </a:fld>
             <a:endParaRPr lang="en-US" dirty="0"/>
           </a:p>
@@ -14556,7 +14556,7 @@
         <p:spPr>
           <a:xfrm>
             <a:off x="677334" y="1738312"/>
-            <a:ext cx="4086225" cy="3381375"/>
+            <a:ext cx="4739331" cy="3921824"/>
           </a:xfrm>
           <a:prstGeom prst="rect">
             <a:avLst/>

--- a/LCC/Python/01_千里之行始於足下.pptx
+++ b/LCC/Python/01_千里之行始於足下.pptx
@@ -885,7 +885,7 @@
             <a:fld id="{B61BEF0D-F0BB-DE4B-95CE-6DB70DBA9567}" type="datetimeFigureOut">
               <a:rPr lang="en-US" smtClean="0"/>
               <a:pPr/>
-              <a:t>1/15/2021</a:t>
+              <a:t>1/21/2021</a:t>
             </a:fld>
             <a:endParaRPr lang="en-US" dirty="0"/>
           </a:p>
@@ -1138,7 +1138,7 @@
             <a:fld id="{B61BEF0D-F0BB-DE4B-95CE-6DB70DBA9567}" type="datetimeFigureOut">
               <a:rPr lang="en-US" smtClean="0"/>
               <a:pPr/>
-              <a:t>1/15/2021</a:t>
+              <a:t>1/21/2021</a:t>
             </a:fld>
             <a:endParaRPr lang="en-US" dirty="0"/>
           </a:p>
@@ -1454,7 +1454,7 @@
             <a:fld id="{B61BEF0D-F0BB-DE4B-95CE-6DB70DBA9567}" type="datetimeFigureOut">
               <a:rPr lang="en-US" smtClean="0"/>
               <a:pPr/>
-              <a:t>1/15/2021</a:t>
+              <a:t>1/21/2021</a:t>
             </a:fld>
             <a:endParaRPr lang="en-US" dirty="0"/>
           </a:p>
@@ -1789,7 +1789,7 @@
             <a:fld id="{B61BEF0D-F0BB-DE4B-95CE-6DB70DBA9567}" type="datetimeFigureOut">
               <a:rPr lang="en-US" smtClean="0"/>
               <a:pPr/>
-              <a:t>1/15/2021</a:t>
+              <a:t>1/21/2021</a:t>
             </a:fld>
             <a:endParaRPr lang="en-US" dirty="0"/>
           </a:p>
@@ -2105,7 +2105,7 @@
             <a:fld id="{B61BEF0D-F0BB-DE4B-95CE-6DB70DBA9567}" type="datetimeFigureOut">
               <a:rPr lang="en-US" smtClean="0"/>
               <a:pPr/>
-              <a:t>1/15/2021</a:t>
+              <a:t>1/21/2021</a:t>
             </a:fld>
             <a:endParaRPr lang="en-US" dirty="0"/>
           </a:p>
@@ -2500,7 +2500,7 @@
             <a:fld id="{B61BEF0D-F0BB-DE4B-95CE-6DB70DBA9567}" type="datetimeFigureOut">
               <a:rPr lang="en-US" smtClean="0"/>
               <a:pPr/>
-              <a:t>1/15/2021</a:t>
+              <a:t>1/21/2021</a:t>
             </a:fld>
             <a:endParaRPr lang="en-US" dirty="0"/>
           </a:p>
@@ -2671,7 +2671,7 @@
           <a:p>
             <a:fld id="{55C6B4A9-1611-4792-9094-5F34BCA07E0B}" type="datetimeFigureOut">
               <a:rPr lang="en-US" smtClean="0"/>
-              <a:t>1/15/2021</a:t>
+              <a:t>1/21/2021</a:t>
             </a:fld>
             <a:endParaRPr lang="en-US" dirty="0"/>
           </a:p>
@@ -2852,7 +2852,7 @@
             <a:fld id="{B61BEF0D-F0BB-DE4B-95CE-6DB70DBA9567}" type="datetimeFigureOut">
               <a:rPr lang="en-US" smtClean="0"/>
               <a:pPr/>
-              <a:t>1/15/2021</a:t>
+              <a:t>1/21/2021</a:t>
             </a:fld>
             <a:endParaRPr lang="en-US" dirty="0"/>
           </a:p>
@@ -3024,7 +3024,7 @@
             <a:fld id="{B61BEF0D-F0BB-DE4B-95CE-6DB70DBA9567}" type="datetimeFigureOut">
               <a:rPr lang="en-US" smtClean="0"/>
               <a:pPr/>
-              <a:t>1/15/2021</a:t>
+              <a:t>1/21/2021</a:t>
             </a:fld>
             <a:endParaRPr lang="en-US" dirty="0"/>
           </a:p>
@@ -3306,7 +3306,7 @@
             <a:fld id="{B61BEF0D-F0BB-DE4B-95CE-6DB70DBA9567}" type="datetimeFigureOut">
               <a:rPr lang="en-US" smtClean="0"/>
               <a:pPr/>
-              <a:t>1/15/2021</a:t>
+              <a:t>1/21/2021</a:t>
             </a:fld>
             <a:endParaRPr lang="en-US" dirty="0"/>
           </a:p>
@@ -3539,7 +3539,7 @@
           <a:p>
             <a:fld id="{EB712588-04B1-427B-82EE-E8DB90309F08}" type="datetimeFigureOut">
               <a:rPr lang="en-US" smtClean="0"/>
-              <a:t>1/15/2021</a:t>
+              <a:t>1/21/2021</a:t>
             </a:fld>
             <a:endParaRPr lang="en-US" dirty="0"/>
           </a:p>
@@ -3947,7 +3947,7 @@
             <a:fld id="{B61BEF0D-F0BB-DE4B-95CE-6DB70DBA9567}" type="datetimeFigureOut">
               <a:rPr lang="en-US" smtClean="0"/>
               <a:pPr/>
-              <a:t>1/15/2021</a:t>
+              <a:t>1/21/2021</a:t>
             </a:fld>
             <a:endParaRPr lang="en-US" dirty="0"/>
           </a:p>
@@ -4105,7 +4105,7 @@
             <a:fld id="{B61BEF0D-F0BB-DE4B-95CE-6DB70DBA9567}" type="datetimeFigureOut">
               <a:rPr lang="en-US" smtClean="0"/>
               <a:pPr/>
-              <a:t>1/15/2021</a:t>
+              <a:t>1/21/2021</a:t>
             </a:fld>
             <a:endParaRPr lang="en-US" dirty="0"/>
           </a:p>
@@ -4235,7 +4235,7 @@
             <a:fld id="{B61BEF0D-F0BB-DE4B-95CE-6DB70DBA9567}" type="datetimeFigureOut">
               <a:rPr lang="en-US" smtClean="0"/>
               <a:pPr/>
-              <a:t>1/15/2021</a:t>
+              <a:t>1/21/2021</a:t>
             </a:fld>
             <a:endParaRPr lang="en-US" dirty="0"/>
           </a:p>
@@ -4491,7 +4491,7 @@
           <a:p>
             <a:fld id="{42A54C80-263E-416B-A8E0-580EDEADCBDC}" type="datetimeFigureOut">
               <a:rPr lang="en-US" smtClean="0"/>
-              <a:t>1/15/2021</a:t>
+              <a:t>1/21/2021</a:t>
             </a:fld>
             <a:endParaRPr lang="en-US" dirty="0"/>
           </a:p>
@@ -4798,7 +4798,7 @@
             <a:fld id="{B61BEF0D-F0BB-DE4B-95CE-6DB70DBA9567}" type="datetimeFigureOut">
               <a:rPr lang="en-US" smtClean="0"/>
               <a:pPr/>
-              <a:t>1/15/2021</a:t>
+              <a:t>1/21/2021</a:t>
             </a:fld>
             <a:endParaRPr lang="en-US" dirty="0"/>
           </a:p>
@@ -5501,7 +5501,7 @@
             <a:fld id="{B61BEF0D-F0BB-DE4B-95CE-6DB70DBA9567}" type="datetimeFigureOut">
               <a:rPr lang="en-US" smtClean="0"/>
               <a:pPr/>
-              <a:t>1/15/2021</a:t>
+              <a:t>1/21/2021</a:t>
             </a:fld>
             <a:endParaRPr lang="en-US" dirty="0"/>
           </a:p>
@@ -11261,7 +11261,23 @@
           <a:p>
             <a:r>
               <a:rPr lang="zh-TW" altLang="en-US" dirty="0" smtClean="0"/>
-              <a:t>資料型別</a:t>
+              <a:t>資料型</a:t>
+            </a:r>
+            <a:r>
+              <a:rPr lang="zh-TW" altLang="en-US" dirty="0" smtClean="0"/>
+              <a:t>別</a:t>
+            </a:r>
+            <a:r>
+              <a:rPr lang="en-US" altLang="zh-TW" dirty="0" smtClean="0"/>
+              <a:t>(</a:t>
+            </a:r>
+            <a:r>
+              <a:rPr lang="zh-TW" altLang="en-US" dirty="0" smtClean="0"/>
+              <a:t>一</a:t>
+            </a:r>
+            <a:r>
+              <a:rPr lang="en-US" altLang="zh-TW" dirty="0" smtClean="0"/>
+              <a:t>)</a:t>
             </a:r>
             <a:r>
               <a:rPr lang="en-US" altLang="zh-TW" dirty="0" smtClean="0"/>
@@ -11290,24 +11306,24 @@
         <p:spPr/>
         <p:txBody>
           <a:bodyPr>
-            <a:normAutofit fontScale="85000" lnSpcReduction="20000"/>
+            <a:normAutofit fontScale="92500" lnSpcReduction="10000"/>
           </a:bodyPr>
           <a:lstStyle/>
           <a:p>
             <a:r>
-              <a:rPr lang="zh-TW" altLang="en-US" b="1" u="sng" dirty="0" smtClean="0"/>
+              <a:rPr lang="zh-TW" altLang="en-US" sz="1900" b="1" u="sng" dirty="0" smtClean="0"/>
               <a:t>首先，</a:t>
             </a:r>
             <a:r>
-              <a:rPr lang="en-US" altLang="zh-TW" b="1" u="sng" dirty="0" smtClean="0"/>
+              <a:rPr lang="en-US" altLang="zh-TW" sz="1900" b="1" u="sng" dirty="0" smtClean="0"/>
               <a:t>Python</a:t>
             </a:r>
             <a:r>
-              <a:rPr lang="zh-TW" altLang="en-US" b="1" u="sng" dirty="0" smtClean="0"/>
+              <a:rPr lang="zh-TW" altLang="en-US" sz="1900" b="1" u="sng" dirty="0" smtClean="0"/>
               <a:t>中的變數</a:t>
             </a:r>
             <a:r>
-              <a:rPr lang="zh-TW" altLang="en-US" b="1" u="sng" dirty="0" smtClean="0">
+              <a:rPr lang="zh-TW" altLang="en-US" sz="1900" b="1" u="sng" dirty="0" smtClean="0">
                 <a:solidFill>
                   <a:srgbClr val="FF0000"/>
                 </a:solidFill>
@@ -11315,13 +11331,10 @@
               <a:t>不需事先宣告型別</a:t>
             </a:r>
             <a:r>
-              <a:rPr lang="zh-TW" altLang="en-US" dirty="0" smtClean="0"/>
+              <a:rPr lang="zh-TW" altLang="en-US" sz="1900" b="1" dirty="0" smtClean="0"/>
               <a:t>。</a:t>
             </a:r>
-            <a:endParaRPr lang="en-US" altLang="zh-TW" dirty="0" smtClean="0"/>
-          </a:p>
-          <a:p>
-            <a:endParaRPr lang="en-US" altLang="zh-TW" dirty="0" smtClean="0"/>
+            <a:endParaRPr lang="en-US" altLang="zh-TW" sz="1900" b="1" dirty="0" smtClean="0"/>
           </a:p>
           <a:p>
             <a:r>
@@ -11556,7 +11569,23 @@
           <a:p>
             <a:r>
               <a:rPr lang="zh-TW" altLang="en-US" dirty="0"/>
-              <a:t>資料型別</a:t>
+              <a:t>資料型</a:t>
+            </a:r>
+            <a:r>
+              <a:rPr lang="zh-TW" altLang="en-US" dirty="0" smtClean="0"/>
+              <a:t>別</a:t>
+            </a:r>
+            <a:r>
+              <a:rPr lang="en-US" altLang="zh-TW" dirty="0" smtClean="0"/>
+              <a:t>(</a:t>
+            </a:r>
+            <a:r>
+              <a:rPr lang="zh-TW" altLang="en-US" dirty="0" smtClean="0"/>
+              <a:t>二</a:t>
+            </a:r>
+            <a:r>
+              <a:rPr lang="en-US" altLang="zh-TW" dirty="0" smtClean="0"/>
+              <a:t>)</a:t>
             </a:r>
             <a:r>
               <a:rPr lang="en-US" altLang="zh-TW" dirty="0"/>
